--- a/Projeto-AjudeMais/002-Acompanhamento/Iteracao-03/ADR - apresentacao de resultados-IT03.pptx
+++ b/Projeto-AjudeMais/002-Acompanhamento/Iteracao-03/ADR - apresentacao de resultados-IT03.pptx
@@ -13,14 +13,12 @@
     <p:sldId id="260" r:id="rId8"/>
     <p:sldId id="261" r:id="rId9"/>
     <p:sldId id="262" r:id="rId10"/>
-    <p:sldId id="264" r:id="rId11"/>
-    <p:sldId id="265" r:id="rId12"/>
-    <p:sldId id="266" r:id="rId13"/>
-    <p:sldId id="267" r:id="rId14"/>
-    <p:sldId id="268" r:id="rId15"/>
-    <p:sldId id="269" r:id="rId16"/>
-    <p:sldId id="270" r:id="rId17"/>
-    <p:sldId id="271" r:id="rId18"/>
+    <p:sldId id="266" r:id="rId11"/>
+    <p:sldId id="267" r:id="rId12"/>
+    <p:sldId id="268" r:id="rId13"/>
+    <p:sldId id="269" r:id="rId14"/>
+    <p:sldId id="270" r:id="rId15"/>
+    <p:sldId id="271" r:id="rId16"/>
   </p:sldIdLst>
   <p:sldSz cx="9144000" cy="6858000"/>
   <p:notesSz cx="7559675" cy="10691495"/>
@@ -4071,7 +4069,7 @@
       </p:grpSpPr>
       <p:sp>
         <p:nvSpPr>
-          <p:cNvPr id="93" name="CustomShape 1"/>
+          <p:cNvPr id="96" name="CustomShape 1"/>
           <p:cNvSpPr/>
           <p:nvPr/>
         </p:nvSpPr>
@@ -4121,7 +4119,7 @@
                 <a:latin typeface="Calibri"/>
                 <a:ea typeface="DejaVu Sans"/>
               </a:rPr>
-              <a:t>Métricas - Jenkins Estado ciclomático  </a:t>
+              <a:t>Métricas – SONAR </a:t>
             </a:r>
             <a:endParaRPr lang="pt-BR" sz="1800" b="0" strike="noStrike" spc="-1">
               <a:solidFill>
@@ -4137,31 +4135,6 @@
           </a:p>
         </p:txBody>
       </p:sp>
-      <p:pic>
-        <p:nvPicPr>
-          <p:cNvPr id="94" name="Picture 93"/>
-          <p:cNvPicPr/>
-          <p:nvPr/>
-        </p:nvPicPr>
-        <p:blipFill>
-          <a:blip r:embed="rId1"/>
-          <a:stretch>
-            <a:fillRect/>
-          </a:stretch>
-        </p:blipFill>
-        <p:spPr>
-          <a:xfrm>
-            <a:off x="360" y="1637640"/>
-            <a:ext cx="9143280" cy="5130000"/>
-          </a:xfrm>
-          <a:prstGeom prst="rect">
-            <a:avLst/>
-          </a:prstGeom>
-          <a:ln>
-            <a:noFill/>
-          </a:ln>
-        </p:spPr>
-      </p:pic>
     </p:spTree>
   </p:cSld>
   <p:clrMapOvr>
@@ -4196,7 +4169,7 @@
       </p:grpSpPr>
       <p:sp>
         <p:nvSpPr>
-          <p:cNvPr id="95" name="CustomShape 1"/>
+          <p:cNvPr id="98" name="CustomShape 1"/>
           <p:cNvSpPr/>
           <p:nvPr/>
         </p:nvSpPr>
@@ -4246,80 +4219,19 @@
                 <a:latin typeface="Calibri"/>
                 <a:ea typeface="DejaVu Sans"/>
               </a:rPr>
-              <a:t>Métricas – Histórico de builds </a:t>
+              <a:t>Métricas – SONAR </a:t>
             </a:r>
-            <a:r>
-              <a:rPr lang="pt-BR" sz="3200" b="0" u="sng" strike="noStrike" spc="-1">
-                <a:solidFill>
-                  <a:srgbClr val="0000FF"/>
-                </a:solidFill>
-                <a:uFill>
-                  <a:solidFill>
-                    <a:srgbClr val="FFFFFF"/>
-                  </a:solidFill>
-                </a:uFill>
-                <a:latin typeface="Calibri"/>
-                <a:ea typeface="DejaVu Sans"/>
-                <a:hlinkClick r:id="rId1"/>
-              </a:rPr>
-              <a:t>Travis-CI</a:t>
-            </a:r>
-            <a:r>
-              <a:rPr lang="pt-BR" sz="3200" b="0" strike="noStrike" spc="-1">
-                <a:solidFill>
-                  <a:srgbClr val="000000"/>
-                </a:solidFill>
-                <a:uFill>
-                  <a:solidFill>
-                    <a:srgbClr val="FFFFFF"/>
-                  </a:solidFill>
-                </a:uFill>
-                <a:latin typeface="Calibri"/>
-                <a:ea typeface="DejaVu Sans"/>
-              </a:rPr>
-              <a:t> </a:t>
-            </a:r>
-            <a:endParaRPr lang="pt-BR" sz="1800" b="0" strike="noStrike" spc="-1">
-              <a:solidFill>
-                <a:srgbClr val="000000"/>
-              </a:solidFill>
-              <a:uFill>
-                <a:solidFill>
-                  <a:srgbClr val="FFFFFF"/>
-                </a:solidFill>
-              </a:uFill>
-              <a:latin typeface="Arial" charset="0"/>
-            </a:endParaRPr>
-          </a:p>
-        </p:txBody>
-      </p:sp>
-      <p:sp>
-        <p:nvSpPr>
-          <p:cNvPr id="3" name="Text Box 2"/>
-          <p:cNvSpPr txBox="1"/>
-          <p:nvPr/>
-        </p:nvSpPr>
-        <p:spPr>
-          <a:xfrm>
-            <a:off x="0" y="3429000"/>
-            <a:ext cx="9148445" cy="457200"/>
-          </a:xfrm>
-          <a:prstGeom prst="rect">
-            <a:avLst/>
-          </a:prstGeom>
-          <a:noFill/>
-        </p:spPr>
-        <p:txBody>
-          <a:bodyPr wrap="square" rtlCol="0" anchor="t">
-            <a:spAutoFit/>
-          </a:bodyPr>
-          <a:p>
-            <a:pPr algn="ctr"/>
-            <a:r>
-              <a:rPr lang="en-US" sz="2400"/>
-              <a:t>https://travis-ci.org/AjudeMais/AjudeMais/builds</a:t>
-            </a:r>
-            <a:endParaRPr lang="en-US" sz="2400"/>
+            <a:endParaRPr lang="pt-BR" sz="1800" b="0" strike="noStrike" spc="-1">
+              <a:solidFill>
+                <a:srgbClr val="000000"/>
+              </a:solidFill>
+              <a:uFill>
+                <a:solidFill>
+                  <a:srgbClr val="FFFFFF"/>
+                </a:solidFill>
+              </a:uFill>
+              <a:latin typeface="Arial" charset="0"/>
+            </a:endParaRPr>
           </a:p>
         </p:txBody>
       </p:sp>
@@ -4357,7 +4269,7 @@
       </p:grpSpPr>
       <p:sp>
         <p:nvSpPr>
-          <p:cNvPr id="96" name="CustomShape 1"/>
+          <p:cNvPr id="100" name="CustomShape 1"/>
           <p:cNvSpPr/>
           <p:nvPr/>
         </p:nvSpPr>
@@ -4395,7 +4307,7 @@
               </a:lnSpc>
             </a:pPr>
             <a:r>
-              <a:rPr lang="pt-BR" sz="3200" b="0" strike="noStrike" spc="-1">
+              <a:rPr lang="pt-BR" sz="4400" b="0" strike="noStrike" spc="-1">
                 <a:solidFill>
                   <a:srgbClr val="000000"/>
                 </a:solidFill>
@@ -4407,7 +4319,7 @@
                 <a:latin typeface="Calibri"/>
                 <a:ea typeface="DejaVu Sans"/>
               </a:rPr>
-              <a:t>Métricas – SONAR </a:t>
+              <a:t>Demais métricas</a:t>
             </a:r>
             <a:endParaRPr lang="pt-BR" sz="1800" b="0" strike="noStrike" spc="-1">
               <a:solidFill>
@@ -4423,31 +4335,77 @@
           </a:p>
         </p:txBody>
       </p:sp>
-      <p:pic>
-        <p:nvPicPr>
-          <p:cNvPr id="97" name="Picture 96"/>
-          <p:cNvPicPr/>
+      <p:sp>
+        <p:nvSpPr>
+          <p:cNvPr id="101" name="CustomShape 2"/>
+          <p:cNvSpPr/>
           <p:nvPr/>
-        </p:nvPicPr>
-        <p:blipFill>
-          <a:blip r:embed="rId1"/>
-          <a:stretch>
-            <a:fillRect/>
-          </a:stretch>
-        </p:blipFill>
-        <p:spPr>
-          <a:xfrm>
-            <a:off x="551880" y="1252800"/>
-            <a:ext cx="7943760" cy="5298840"/>
-          </a:xfrm>
-          <a:prstGeom prst="rect">
-            <a:avLst/>
-          </a:prstGeom>
+        </p:nvSpPr>
+        <p:spPr>
+          <a:xfrm>
+            <a:off x="457200" y="1600200"/>
+            <a:ext cx="8539920" cy="4522680"/>
+          </a:xfrm>
+          <a:prstGeom prst="rect">
+            <a:avLst/>
+          </a:prstGeom>
+          <a:noFill/>
           <a:ln>
             <a:noFill/>
           </a:ln>
         </p:spPr>
-      </p:pic>
+        <p:style>
+          <a:lnRef idx="0">
+            <a:srgbClr val="FFFFFF"/>
+          </a:lnRef>
+          <a:fillRef idx="0">
+            <a:srgbClr val="FFFFFF"/>
+          </a:fillRef>
+          <a:effectRef idx="0">
+            <a:srgbClr val="FFFFFF"/>
+          </a:effectRef>
+          <a:fontRef idx="minor"/>
+        </p:style>
+        <p:txBody>
+          <a:bodyPr lIns="90000" tIns="45000" rIns="90000" bIns="45000"/>
+          <a:p>
+            <a:pPr>
+              <a:lnSpc>
+                <a:spcPct val="100000"/>
+              </a:lnSpc>
+            </a:pPr>
+            <a:r>
+              <a:rPr lang="pt-BR" sz="2800" b="0" u="sng" strike="noStrike" spc="-1">
+                <a:solidFill>
+                  <a:srgbClr val="0000FF"/>
+                </a:solidFill>
+                <a:uFill>
+                  <a:solidFill>
+                    <a:srgbClr val="FFFFFF"/>
+                  </a:solidFill>
+                </a:uFill>
+                <a:latin typeface="Calibri"/>
+                <a:ea typeface="DejaVu Sans"/>
+                <a:hlinkClick r:id="rId1"/>
+              </a:rPr>
+              <a:t>https://github.com/AjudeMais/AjudeMais/tree/development/Sistema/002-Implementacao/ajudeMais-ws</a:t>
+            </a:r>
+            <a:endParaRPr lang="pt-BR" sz="2800" b="0" u="sng" strike="noStrike" spc="-1">
+              <a:solidFill>
+                <a:srgbClr val="0000FF"/>
+              </a:solidFill>
+              <a:uFill>
+                <a:solidFill>
+                  <a:srgbClr val="FFFFFF"/>
+                </a:solidFill>
+              </a:uFill>
+              <a:latin typeface="Calibri"/>
+              <a:ea typeface="DejaVu Sans"/>
+              <a:hlinkClick r:id="rId1"/>
+            </a:endParaRPr>
+          </a:p>
+        </p:txBody>
+      </p:sp>
     </p:spTree>
   </p:cSld>
   <p:clrMapOvr>
@@ -4482,7 +4440,7 @@
       </p:grpSpPr>
       <p:sp>
         <p:nvSpPr>
-          <p:cNvPr id="98" name="CustomShape 1"/>
+          <p:cNvPr id="102" name="CustomShape 1"/>
           <p:cNvSpPr/>
           <p:nvPr/>
         </p:nvSpPr>
@@ -4520,7 +4478,7 @@
               </a:lnSpc>
             </a:pPr>
             <a:r>
-              <a:rPr lang="pt-BR" sz="3200" b="0" strike="noStrike" spc="-1">
+              <a:rPr lang="pt-BR" sz="4400" b="0" strike="noStrike" spc="-1">
                 <a:solidFill>
                   <a:srgbClr val="000000"/>
                 </a:solidFill>
@@ -4532,7 +4490,7 @@
                 <a:latin typeface="Calibri"/>
                 <a:ea typeface="DejaVu Sans"/>
               </a:rPr>
-              <a:t>Métricas – SONAR </a:t>
+              <a:t>Lições aprendidas</a:t>
             </a:r>
             <a:endParaRPr lang="pt-BR" sz="1800" b="0" strike="noStrike" spc="-1">
               <a:solidFill>
@@ -4548,73 +4506,16 @@
           </a:p>
         </p:txBody>
       </p:sp>
-      <p:pic>
-        <p:nvPicPr>
-          <p:cNvPr id="99" name="Picture 98"/>
-          <p:cNvPicPr/>
-          <p:nvPr/>
-        </p:nvPicPr>
-        <p:blipFill>
-          <a:blip r:embed="rId1"/>
-          <a:stretch>
-            <a:fillRect/>
-          </a:stretch>
-        </p:blipFill>
-        <p:spPr>
-          <a:xfrm>
-            <a:off x="360000" y="1224000"/>
-            <a:ext cx="8448480" cy="5304960"/>
-          </a:xfrm>
-          <a:prstGeom prst="rect">
-            <a:avLst/>
-          </a:prstGeom>
-          <a:ln>
-            <a:noFill/>
-          </a:ln>
-        </p:spPr>
-      </p:pic>
-    </p:spTree>
-  </p:cSld>
-  <p:clrMapOvr>
-    <a:masterClrMapping/>
-  </p:clrMapOvr>
-  <p:timing>
-    <p:tnLst>
-      <p:par>
-        <p:cTn id="1" dur="indefinite" restart="never" nodeType="tmRoot"/>
-      </p:par>
-    </p:tnLst>
-  </p:timing>
-</p:sld>
-</file>
-
-<file path=ppt/slides/slide14.xml><?xml version="1.0" encoding="utf-8"?>
-<p:sld xmlns:a="http://schemas.openxmlformats.org/drawingml/2006/main" xmlns:r="http://schemas.openxmlformats.org/officeDocument/2006/relationships" xmlns:p="http://schemas.openxmlformats.org/presentationml/2006/main">
-  <p:cSld>
-    <p:spTree>
-      <p:nvGrpSpPr>
-        <p:cNvPr id="1" name=""/>
-        <p:cNvGrpSpPr/>
-        <p:nvPr/>
-      </p:nvGrpSpPr>
-      <p:grpSpPr>
-        <a:xfrm>
-          <a:off x="0" y="0"/>
-          <a:ext cx="0" cy="0"/>
-          <a:chOff x="0" y="0"/>
-          <a:chExt cx="0" cy="0"/>
-        </a:xfrm>
-      </p:grpSpPr>
-      <p:sp>
-        <p:nvSpPr>
-          <p:cNvPr id="100" name="CustomShape 1"/>
+      <p:sp>
+        <p:nvSpPr>
+          <p:cNvPr id="103" name="CustomShape 2"/>
           <p:cNvSpPr/>
           <p:nvPr/>
         </p:nvSpPr>
         <p:spPr>
           <a:xfrm>
-            <a:off x="457200" y="274680"/>
-            <a:ext cx="8226360" cy="1139760"/>
+            <a:off x="457200" y="1600200"/>
+            <a:ext cx="8539920" cy="4522680"/>
           </a:xfrm>
           <a:prstGeom prst="rect">
             <a:avLst/>
@@ -4637,245 +4538,6 @@
           <a:fontRef idx="minor"/>
         </p:style>
         <p:txBody>
-          <a:bodyPr lIns="90000" tIns="45000" rIns="90000" bIns="45000" anchor="ctr"/>
-          <a:p>
-            <a:pPr algn="ctr">
-              <a:lnSpc>
-                <a:spcPct val="100000"/>
-              </a:lnSpc>
-            </a:pPr>
-            <a:r>
-              <a:rPr lang="pt-BR" sz="4400" b="0" strike="noStrike" spc="-1">
-                <a:solidFill>
-                  <a:srgbClr val="000000"/>
-                </a:solidFill>
-                <a:uFill>
-                  <a:solidFill>
-                    <a:srgbClr val="FFFFFF"/>
-                  </a:solidFill>
-                </a:uFill>
-                <a:latin typeface="Calibri"/>
-                <a:ea typeface="DejaVu Sans"/>
-              </a:rPr>
-              <a:t>Demais métricas</a:t>
-            </a:r>
-            <a:endParaRPr lang="pt-BR" sz="1800" b="0" strike="noStrike" spc="-1">
-              <a:solidFill>
-                <a:srgbClr val="000000"/>
-              </a:solidFill>
-              <a:uFill>
-                <a:solidFill>
-                  <a:srgbClr val="FFFFFF"/>
-                </a:solidFill>
-              </a:uFill>
-              <a:latin typeface="Arial" charset="0"/>
-            </a:endParaRPr>
-          </a:p>
-        </p:txBody>
-      </p:sp>
-      <p:sp>
-        <p:nvSpPr>
-          <p:cNvPr id="101" name="CustomShape 2"/>
-          <p:cNvSpPr/>
-          <p:nvPr/>
-        </p:nvSpPr>
-        <p:spPr>
-          <a:xfrm>
-            <a:off x="457200" y="1600200"/>
-            <a:ext cx="8539920" cy="4522680"/>
-          </a:xfrm>
-          <a:prstGeom prst="rect">
-            <a:avLst/>
-          </a:prstGeom>
-          <a:noFill/>
-          <a:ln>
-            <a:noFill/>
-          </a:ln>
-        </p:spPr>
-        <p:style>
-          <a:lnRef idx="0">
-            <a:srgbClr val="FFFFFF"/>
-          </a:lnRef>
-          <a:fillRef idx="0">
-            <a:srgbClr val="FFFFFF"/>
-          </a:fillRef>
-          <a:effectRef idx="0">
-            <a:srgbClr val="FFFFFF"/>
-          </a:effectRef>
-          <a:fontRef idx="minor"/>
-        </p:style>
-        <p:txBody>
-          <a:bodyPr lIns="90000" tIns="45000" rIns="90000" bIns="45000"/>
-          <a:p>
-            <a:pPr>
-              <a:lnSpc>
-                <a:spcPct val="100000"/>
-              </a:lnSpc>
-            </a:pPr>
-            <a:r>
-              <a:rPr lang="pt-BR" sz="2800" b="0" u="sng" strike="noStrike" spc="-1">
-                <a:solidFill>
-                  <a:srgbClr val="0000FF"/>
-                </a:solidFill>
-                <a:uFill>
-                  <a:solidFill>
-                    <a:srgbClr val="FFFFFF"/>
-                  </a:solidFill>
-                </a:uFill>
-                <a:latin typeface="Calibri"/>
-                <a:ea typeface="DejaVu Sans"/>
-                <a:hlinkClick r:id="rId1"/>
-              </a:rPr>
-              <a:t>https://github.com/AjudeMais/AjudeMais/tree/development/Sistema/002-Implementacao/ajudeMais-ws</a:t>
-            </a:r>
-            <a:endParaRPr lang="pt-BR" sz="2800" b="0" u="sng" strike="noStrike" spc="-1">
-              <a:solidFill>
-                <a:srgbClr val="0000FF"/>
-              </a:solidFill>
-              <a:uFill>
-                <a:solidFill>
-                  <a:srgbClr val="FFFFFF"/>
-                </a:solidFill>
-              </a:uFill>
-              <a:latin typeface="Calibri"/>
-              <a:ea typeface="DejaVu Sans"/>
-              <a:hlinkClick r:id="rId1"/>
-            </a:endParaRPr>
-          </a:p>
-        </p:txBody>
-      </p:sp>
-    </p:spTree>
-  </p:cSld>
-  <p:clrMapOvr>
-    <a:masterClrMapping/>
-  </p:clrMapOvr>
-  <p:timing>
-    <p:tnLst>
-      <p:par>
-        <p:cTn id="1" dur="indefinite" restart="never" nodeType="tmRoot"/>
-      </p:par>
-    </p:tnLst>
-  </p:timing>
-</p:sld>
-</file>
-
-<file path=ppt/slides/slide15.xml><?xml version="1.0" encoding="utf-8"?>
-<p:sld xmlns:a="http://schemas.openxmlformats.org/drawingml/2006/main" xmlns:r="http://schemas.openxmlformats.org/officeDocument/2006/relationships" xmlns:p="http://schemas.openxmlformats.org/presentationml/2006/main">
-  <p:cSld>
-    <p:spTree>
-      <p:nvGrpSpPr>
-        <p:cNvPr id="1" name=""/>
-        <p:cNvGrpSpPr/>
-        <p:nvPr/>
-      </p:nvGrpSpPr>
-      <p:grpSpPr>
-        <a:xfrm>
-          <a:off x="0" y="0"/>
-          <a:ext cx="0" cy="0"/>
-          <a:chOff x="0" y="0"/>
-          <a:chExt cx="0" cy="0"/>
-        </a:xfrm>
-      </p:grpSpPr>
-      <p:sp>
-        <p:nvSpPr>
-          <p:cNvPr id="102" name="CustomShape 1"/>
-          <p:cNvSpPr/>
-          <p:nvPr/>
-        </p:nvSpPr>
-        <p:spPr>
-          <a:xfrm>
-            <a:off x="457200" y="274680"/>
-            <a:ext cx="8226360" cy="1139760"/>
-          </a:xfrm>
-          <a:prstGeom prst="rect">
-            <a:avLst/>
-          </a:prstGeom>
-          <a:noFill/>
-          <a:ln>
-            <a:noFill/>
-          </a:ln>
-        </p:spPr>
-        <p:style>
-          <a:lnRef idx="0">
-            <a:srgbClr val="FFFFFF"/>
-          </a:lnRef>
-          <a:fillRef idx="0">
-            <a:srgbClr val="FFFFFF"/>
-          </a:fillRef>
-          <a:effectRef idx="0">
-            <a:srgbClr val="FFFFFF"/>
-          </a:effectRef>
-          <a:fontRef idx="minor"/>
-        </p:style>
-        <p:txBody>
-          <a:bodyPr lIns="90000" tIns="45000" rIns="90000" bIns="45000" anchor="ctr"/>
-          <a:p>
-            <a:pPr algn="ctr">
-              <a:lnSpc>
-                <a:spcPct val="100000"/>
-              </a:lnSpc>
-            </a:pPr>
-            <a:r>
-              <a:rPr lang="pt-BR" sz="4400" b="0" strike="noStrike" spc="-1">
-                <a:solidFill>
-                  <a:srgbClr val="000000"/>
-                </a:solidFill>
-                <a:uFill>
-                  <a:solidFill>
-                    <a:srgbClr val="FFFFFF"/>
-                  </a:solidFill>
-                </a:uFill>
-                <a:latin typeface="Calibri"/>
-                <a:ea typeface="DejaVu Sans"/>
-              </a:rPr>
-              <a:t>Lições aprendidas</a:t>
-            </a:r>
-            <a:endParaRPr lang="pt-BR" sz="1800" b="0" strike="noStrike" spc="-1">
-              <a:solidFill>
-                <a:srgbClr val="000000"/>
-              </a:solidFill>
-              <a:uFill>
-                <a:solidFill>
-                  <a:srgbClr val="FFFFFF"/>
-                </a:solidFill>
-              </a:uFill>
-              <a:latin typeface="Arial" charset="0"/>
-            </a:endParaRPr>
-          </a:p>
-        </p:txBody>
-      </p:sp>
-      <p:sp>
-        <p:nvSpPr>
-          <p:cNvPr id="103" name="CustomShape 2"/>
-          <p:cNvSpPr/>
-          <p:nvPr/>
-        </p:nvSpPr>
-        <p:spPr>
-          <a:xfrm>
-            <a:off x="457200" y="1600200"/>
-            <a:ext cx="8539920" cy="4522680"/>
-          </a:xfrm>
-          <a:prstGeom prst="rect">
-            <a:avLst/>
-          </a:prstGeom>
-          <a:noFill/>
-          <a:ln>
-            <a:noFill/>
-          </a:ln>
-        </p:spPr>
-        <p:style>
-          <a:lnRef idx="0">
-            <a:srgbClr val="FFFFFF"/>
-          </a:lnRef>
-          <a:fillRef idx="0">
-            <a:srgbClr val="FFFFFF"/>
-          </a:fillRef>
-          <a:effectRef idx="0">
-            <a:srgbClr val="FFFFFF"/>
-          </a:effectRef>
-          <a:fontRef idx="minor"/>
-        </p:style>
-        <p:txBody>
           <a:bodyPr lIns="90000" tIns="45000" rIns="90000" bIns="45000"/>
           <a:p>
             <a:pPr marL="457200" indent="-457200">
@@ -4885,389 +4547,6 @@
               <a:buFont typeface="Arial" charset="0"/>
               <a:buChar char="•"/>
             </a:pPr>
-            <a:r>
-              <a:rPr lang="x-none" altLang="pt-BR" sz="2800" b="1" spc="-1">
-                <a:solidFill>
-                  <a:srgbClr val="000000"/>
-                </a:solidFill>
-                <a:uFill>
-                  <a:solidFill>
-                    <a:srgbClr val="FFFFFF"/>
-                  </a:solidFill>
-                </a:uFill>
-                <a:latin typeface="Calibri"/>
-                <a:ea typeface="DejaVu Sans"/>
-                <a:sym typeface="+mn-ea"/>
-              </a:rPr>
-              <a:t>Mesmas lições</a:t>
-            </a:r>
-            <a:r>
-              <a:rPr lang="x-none" altLang="pt-BR" sz="2800" spc="-1">
-                <a:solidFill>
-                  <a:srgbClr val="000000"/>
-                </a:solidFill>
-                <a:uFill>
-                  <a:solidFill>
-                    <a:srgbClr val="FFFFFF"/>
-                  </a:solidFill>
-                </a:uFill>
-                <a:latin typeface="Calibri"/>
-                <a:ea typeface="DejaVu Sans"/>
-                <a:sym typeface="+mn-ea"/>
-              </a:rPr>
-              <a:t> da iteração passada;</a:t>
-            </a:r>
-            <a:endParaRPr lang="pt-BR" sz="2800" b="0" strike="noStrike" spc="-1">
-              <a:solidFill>
-                <a:srgbClr val="000000"/>
-              </a:solidFill>
-              <a:uFill>
-                <a:solidFill>
-                  <a:srgbClr val="FFFFFF"/>
-                </a:solidFill>
-              </a:uFill>
-              <a:latin typeface="Calibri"/>
-              <a:ea typeface="DejaVu Sans"/>
-            </a:endParaRPr>
-          </a:p>
-          <a:p>
-            <a:pPr marL="457200" indent="-457200">
-              <a:lnSpc>
-                <a:spcPct val="100000"/>
-              </a:lnSpc>
-              <a:buFont typeface="Arial" charset="0"/>
-              <a:buChar char="•"/>
-            </a:pPr>
-            <a:r>
-              <a:rPr lang="pt-BR" sz="2800" b="0" strike="noStrike" spc="-1">
-                <a:solidFill>
-                  <a:srgbClr val="000000"/>
-                </a:solidFill>
-                <a:uFill>
-                  <a:solidFill>
-                    <a:srgbClr val="FFFFFF"/>
-                  </a:solidFill>
-                </a:uFill>
-                <a:latin typeface="Calibri"/>
-                <a:ea typeface="DejaVu Sans"/>
-              </a:rPr>
-              <a:t>Testes manuais </a:t>
-            </a:r>
-            <a:r>
-              <a:rPr lang="pt-BR" sz="2800" b="1" strike="noStrike" spc="-1">
-                <a:solidFill>
-                  <a:srgbClr val="000000"/>
-                </a:solidFill>
-                <a:uFill>
-                  <a:solidFill>
-                    <a:srgbClr val="FFFFFF"/>
-                  </a:solidFill>
-                </a:uFill>
-                <a:latin typeface="Calibri"/>
-                <a:ea typeface="DejaVu Sans"/>
-              </a:rPr>
-              <a:t>não devem</a:t>
-            </a:r>
-            <a:r>
-              <a:rPr lang="pt-BR" sz="2800" b="0" strike="noStrike" spc="-1">
-                <a:solidFill>
-                  <a:srgbClr val="000000"/>
-                </a:solidFill>
-                <a:uFill>
-                  <a:solidFill>
-                    <a:srgbClr val="FFFFFF"/>
-                  </a:solidFill>
-                </a:uFill>
-                <a:latin typeface="Calibri"/>
-                <a:ea typeface="DejaVu Sans"/>
-              </a:rPr>
-              <a:t> ser realizados pelo</a:t>
-            </a:r>
-            <a:r>
-              <a:rPr lang="x-none" altLang="pt-BR" sz="2800" b="0" strike="noStrike" spc="-1">
-                <a:solidFill>
-                  <a:srgbClr val="000000"/>
-                </a:solidFill>
-                <a:uFill>
-                  <a:solidFill>
-                    <a:srgbClr val="FFFFFF"/>
-                  </a:solidFill>
-                </a:uFill>
-                <a:latin typeface="Calibri"/>
-                <a:ea typeface="DejaVu Sans"/>
-              </a:rPr>
-              <a:t>;</a:t>
-            </a:r>
-            <a:r>
-              <a:rPr lang="pt-BR" sz="2800" b="0" strike="noStrike" spc="-1">
-                <a:solidFill>
-                  <a:srgbClr val="000000"/>
-                </a:solidFill>
-                <a:uFill>
-                  <a:solidFill>
-                    <a:srgbClr val="FFFFFF"/>
-                  </a:solidFill>
-                </a:uFill>
-                <a:latin typeface="Calibri"/>
-                <a:ea typeface="DejaVu Sans"/>
-              </a:rPr>
-              <a:t> membro que implementou a funcionalidade</a:t>
-            </a:r>
-            <a:r>
-              <a:rPr lang="x-none" altLang="pt-BR" sz="2800" b="0" strike="noStrike" spc="-1">
-                <a:solidFill>
-                  <a:srgbClr val="000000"/>
-                </a:solidFill>
-                <a:uFill>
-                  <a:solidFill>
-                    <a:srgbClr val="FFFFFF"/>
-                  </a:solidFill>
-                </a:uFill>
-                <a:latin typeface="Calibri"/>
-                <a:ea typeface="DejaVu Sans"/>
-              </a:rPr>
-              <a:t>;</a:t>
-            </a:r>
-            <a:r>
-              <a:rPr lang="pt-BR" sz="2800" b="0" strike="noStrike" spc="-1">
-                <a:solidFill>
-                  <a:srgbClr val="000000"/>
-                </a:solidFill>
-                <a:uFill>
-                  <a:solidFill>
-                    <a:srgbClr val="FFFFFF"/>
-                  </a:solidFill>
-                </a:uFill>
-                <a:latin typeface="Calibri"/>
-                <a:ea typeface="DejaVu Sans"/>
-              </a:rPr>
-              <a:t> </a:t>
-            </a:r>
-            <a:endParaRPr lang="pt-BR" sz="2800" b="0" strike="noStrike" spc="-1">
-              <a:solidFill>
-                <a:srgbClr val="000000"/>
-              </a:solidFill>
-              <a:uFill>
-                <a:solidFill>
-                  <a:srgbClr val="FFFFFF"/>
-                </a:solidFill>
-              </a:uFill>
-              <a:latin typeface="Calibri"/>
-              <a:ea typeface="DejaVu Sans"/>
-            </a:endParaRPr>
-          </a:p>
-          <a:p>
-            <a:pPr marL="457200" indent="-457200">
-              <a:lnSpc>
-                <a:spcPct val="100000"/>
-              </a:lnSpc>
-              <a:buFont typeface="Arial" charset="0"/>
-              <a:buChar char="•"/>
-            </a:pPr>
-            <a:r>
-              <a:rPr lang="pt-BR" sz="2800" spc="-1">
-                <a:solidFill>
-                  <a:srgbClr val="000000"/>
-                </a:solidFill>
-                <a:uFill>
-                  <a:solidFill>
-                    <a:srgbClr val="FFFFFF"/>
-                  </a:solidFill>
-                </a:uFill>
-                <a:latin typeface="Calibri"/>
-                <a:ea typeface="DejaVu Sans"/>
-                <a:sym typeface="+mn-ea"/>
-              </a:rPr>
-              <a:t>Definir no </a:t>
-            </a:r>
-            <a:r>
-              <a:rPr lang="pt-BR" sz="2800" b="1" spc="-1">
-                <a:solidFill>
-                  <a:srgbClr val="000000"/>
-                </a:solidFill>
-                <a:uFill>
-                  <a:solidFill>
-                    <a:srgbClr val="FFFFFF"/>
-                  </a:solidFill>
-                </a:uFill>
-                <a:latin typeface="Calibri"/>
-                <a:ea typeface="DejaVu Sans"/>
-                <a:sym typeface="+mn-ea"/>
-              </a:rPr>
-              <a:t>planejamento</a:t>
-            </a:r>
-            <a:r>
-              <a:rPr lang="pt-BR" sz="2800" spc="-1">
-                <a:solidFill>
-                  <a:srgbClr val="000000"/>
-                </a:solidFill>
-                <a:uFill>
-                  <a:solidFill>
-                    <a:srgbClr val="FFFFFF"/>
-                  </a:solidFill>
-                </a:uFill>
-                <a:latin typeface="Calibri"/>
-                <a:ea typeface="DejaVu Sans"/>
-                <a:sym typeface="+mn-ea"/>
-              </a:rPr>
-              <a:t> o que cada membro da Equipe vai fazer durante a sprint</a:t>
-            </a:r>
-            <a:r>
-              <a:rPr lang="x-none" altLang="pt-BR" sz="2800" spc="-1">
-                <a:solidFill>
-                  <a:srgbClr val="000000"/>
-                </a:solidFill>
-                <a:uFill>
-                  <a:solidFill>
-                    <a:srgbClr val="FFFFFF"/>
-                  </a:solidFill>
-                </a:uFill>
-                <a:latin typeface="Calibri"/>
-                <a:ea typeface="DejaVu Sans"/>
-                <a:sym typeface="+mn-ea"/>
-              </a:rPr>
-              <a:t>;</a:t>
-            </a:r>
-            <a:endParaRPr lang="x-none" altLang="pt-BR" sz="2800" spc="-1">
-              <a:solidFill>
-                <a:srgbClr val="000000"/>
-              </a:solidFill>
-              <a:uFill>
-                <a:solidFill>
-                  <a:srgbClr val="FFFFFF"/>
-                </a:solidFill>
-              </a:uFill>
-              <a:latin typeface="Calibri"/>
-              <a:ea typeface="DejaVu Sans"/>
-              <a:sym typeface="+mn-ea"/>
-            </a:endParaRPr>
-          </a:p>
-          <a:p>
-            <a:pPr marL="457200" indent="-457200">
-              <a:lnSpc>
-                <a:spcPct val="100000"/>
-              </a:lnSpc>
-              <a:buFont typeface="Arial" charset="0"/>
-              <a:buChar char="•"/>
-            </a:pPr>
-            <a:r>
-              <a:rPr lang="x-none" altLang="pt-BR" sz="2800" b="0" strike="noStrike" spc="-1">
-                <a:solidFill>
-                  <a:srgbClr val="000000"/>
-                </a:solidFill>
-                <a:uFill>
-                  <a:solidFill>
-                    <a:srgbClr val="FFFFFF"/>
-                  </a:solidFill>
-                </a:uFill>
-                <a:latin typeface="Calibri"/>
-                <a:ea typeface="DejaVu Sans"/>
-                <a:sym typeface="+mn-ea"/>
-              </a:rPr>
-              <a:t>Melhorar comprometimento com a </a:t>
-            </a:r>
-            <a:r>
-              <a:rPr lang="x-none" altLang="pt-BR" sz="2800" b="1" strike="noStrike" spc="-1">
-                <a:solidFill>
-                  <a:srgbClr val="000000"/>
-                </a:solidFill>
-                <a:uFill>
-                  <a:solidFill>
-                    <a:srgbClr val="FFFFFF"/>
-                  </a:solidFill>
-                </a:uFill>
-                <a:latin typeface="Calibri"/>
-                <a:ea typeface="DejaVu Sans"/>
-                <a:sym typeface="+mn-ea"/>
-              </a:rPr>
-              <a:t>qualidade </a:t>
-            </a:r>
-            <a:r>
-              <a:rPr lang="x-none" altLang="pt-BR" sz="2800" b="0" strike="noStrike" spc="-1">
-                <a:solidFill>
-                  <a:srgbClr val="000000"/>
-                </a:solidFill>
-                <a:uFill>
-                  <a:solidFill>
-                    <a:srgbClr val="FFFFFF"/>
-                  </a:solidFill>
-                </a:uFill>
-                <a:latin typeface="Calibri"/>
-                <a:ea typeface="DejaVu Sans"/>
-                <a:sym typeface="+mn-ea"/>
-              </a:rPr>
-              <a:t>do produto;</a:t>
-            </a:r>
-            <a:endParaRPr lang="x-none" altLang="pt-BR" sz="2800" b="0" strike="noStrike" spc="-1">
-              <a:solidFill>
-                <a:srgbClr val="000000"/>
-              </a:solidFill>
-              <a:uFill>
-                <a:solidFill>
-                  <a:srgbClr val="FFFFFF"/>
-                </a:solidFill>
-              </a:uFill>
-              <a:latin typeface="Calibri"/>
-              <a:ea typeface="DejaVu Sans"/>
-              <a:sym typeface="+mn-ea"/>
-            </a:endParaRPr>
-          </a:p>
-          <a:p>
-            <a:pPr marL="457200" indent="-457200">
-              <a:lnSpc>
-                <a:spcPct val="100000"/>
-              </a:lnSpc>
-              <a:buFont typeface="Arial" charset="0"/>
-              <a:buChar char="•"/>
-            </a:pPr>
-            <a:r>
-              <a:rPr lang="x-none" altLang="pt-BR" sz="2800" b="0" strike="noStrike" spc="-1">
-                <a:solidFill>
-                  <a:srgbClr val="000000"/>
-                </a:solidFill>
-                <a:uFill>
-                  <a:solidFill>
-                    <a:srgbClr val="FFFFFF"/>
-                  </a:solidFill>
-                </a:uFill>
-                <a:latin typeface="Calibri"/>
-                <a:ea typeface="DejaVu Sans"/>
-                <a:sym typeface="+mn-ea"/>
-              </a:rPr>
-              <a:t>Manter repositório </a:t>
-            </a:r>
-            <a:r>
-              <a:rPr lang="x-none" altLang="pt-BR" sz="2800" b="1" strike="noStrike" spc="-1">
-                <a:solidFill>
-                  <a:srgbClr val="000000"/>
-                </a:solidFill>
-                <a:uFill>
-                  <a:solidFill>
-                    <a:srgbClr val="FFFFFF"/>
-                  </a:solidFill>
-                </a:uFill>
-                <a:latin typeface="Calibri"/>
-                <a:ea typeface="DejaVu Sans"/>
-                <a:sym typeface="+mn-ea"/>
-              </a:rPr>
-              <a:t>atualizado</a:t>
-            </a:r>
-            <a:r>
-              <a:rPr lang="x-none" altLang="pt-BR" sz="2800" b="0" strike="noStrike" spc="-1">
-                <a:solidFill>
-                  <a:srgbClr val="000000"/>
-                </a:solidFill>
-                <a:uFill>
-                  <a:solidFill>
-                    <a:srgbClr val="FFFFFF"/>
-                  </a:solidFill>
-                </a:uFill>
-                <a:latin typeface="Calibri"/>
-                <a:ea typeface="DejaVu Sans"/>
-                <a:sym typeface="+mn-ea"/>
-              </a:rPr>
-              <a:t>.</a:t>
-            </a:r>
             <a:endParaRPr lang="x-none" altLang="pt-BR" sz="2800" b="0" strike="noStrike" spc="-1">
               <a:solidFill>
                 <a:srgbClr val="000000"/>
@@ -6738,6 +6017,30 @@
           </a:p>
         </p:txBody>
       </p:sp>
+      <p:pic>
+        <p:nvPicPr>
+          <p:cNvPr id="2" name="Picture 1" descr="Screenshot from 2017-06-07 18-41-50"/>
+          <p:cNvPicPr>
+            <a:picLocks noChangeAspect="1"/>
+          </p:cNvPicPr>
+          <p:nvPr/>
+        </p:nvPicPr>
+        <p:blipFill>
+          <a:blip r:embed="rId1"/>
+          <a:stretch>
+            <a:fillRect/>
+          </a:stretch>
+        </p:blipFill>
+        <p:spPr>
+          <a:xfrm>
+            <a:off x="276860" y="2153285"/>
+            <a:ext cx="8590280" cy="2647315"/>
+          </a:xfrm>
+          <a:prstGeom prst="rect">
+            <a:avLst/>
+          </a:prstGeom>
+        </p:spPr>
+      </p:pic>
     </p:spTree>
   </p:cSld>
   <p:clrMapOvr>
@@ -6772,14 +6075,14 @@
       </p:grpSpPr>
       <p:sp>
         <p:nvSpPr>
-          <p:cNvPr id="88" name="CustomShape 1"/>
+          <p:cNvPr id="93" name="CustomShape 1"/>
           <p:cNvSpPr/>
           <p:nvPr/>
         </p:nvSpPr>
         <p:spPr>
           <a:xfrm>
-            <a:off x="457200" y="1600200"/>
-            <a:ext cx="8539920" cy="4522680"/>
+            <a:off x="457200" y="274680"/>
+            <a:ext cx="8226360" cy="1139760"/>
           </a:xfrm>
           <a:prstGeom prst="rect">
             <a:avLst/>
@@ -6802,21 +6105,15 @@
           <a:fontRef idx="minor"/>
         </p:style>
         <p:txBody>
-          <a:bodyPr lIns="90000" tIns="45000" rIns="90000" bIns="45000"/>
-          <a:p>
-            <a:pPr marL="342900" indent="-339725">
+          <a:bodyPr lIns="90000" tIns="45000" rIns="90000" bIns="45000" anchor="ctr"/>
+          <a:p>
+            <a:pPr algn="ctr">
               <a:lnSpc>
                 <a:spcPct val="100000"/>
               </a:lnSpc>
-              <a:buClr>
-                <a:srgbClr val="000000"/>
-              </a:buClr>
-              <a:buSzPct val="45000"/>
-              <a:buFont typeface="Wingdings" panose="05000000000000000000" charset="2"/>
-              <a:buChar char=""/>
             </a:pPr>
             <a:r>
-              <a:rPr lang="pt-BR" sz="1800" b="0" strike="noStrike" spc="-1">
+              <a:rPr lang="pt-BR" sz="3200" b="0" strike="noStrike" spc="-1">
                 <a:solidFill>
                   <a:srgbClr val="000000"/>
                 </a:solidFill>
@@ -6828,111 +6125,7 @@
                 <a:latin typeface="Calibri"/>
                 <a:ea typeface="DejaVu Sans"/>
               </a:rPr>
-              <a:t> </a:t>
-            </a:r>
-            <a:endParaRPr lang="pt-BR" sz="1800" b="0" strike="noStrike" spc="-1">
-              <a:solidFill>
-                <a:srgbClr val="000000"/>
-              </a:solidFill>
-              <a:uFill>
-                <a:solidFill>
-                  <a:srgbClr val="FFFFFF"/>
-                </a:solidFill>
-              </a:uFill>
-              <a:latin typeface="Arial" charset="0"/>
-            </a:endParaRPr>
-          </a:p>
-          <a:p>
-            <a:pPr>
-              <a:lnSpc>
-                <a:spcPct val="100000"/>
-              </a:lnSpc>
-            </a:pPr>
-            <a:endParaRPr lang="pt-BR" sz="1800" b="0" strike="noStrike" spc="-1">
-              <a:solidFill>
-                <a:srgbClr val="000000"/>
-              </a:solidFill>
-              <a:uFill>
-                <a:solidFill>
-                  <a:srgbClr val="FFFFFF"/>
-                </a:solidFill>
-              </a:uFill>
-              <a:latin typeface="Arial" charset="0"/>
-            </a:endParaRPr>
-          </a:p>
-          <a:p>
-            <a:pPr>
-              <a:lnSpc>
-                <a:spcPct val="100000"/>
-              </a:lnSpc>
-            </a:pPr>
-            <a:endParaRPr lang="pt-BR" sz="1800" b="0" strike="noStrike" spc="-1">
-              <a:solidFill>
-                <a:srgbClr val="000000"/>
-              </a:solidFill>
-              <a:uFill>
-                <a:solidFill>
-                  <a:srgbClr val="FFFFFF"/>
-                </a:solidFill>
-              </a:uFill>
-              <a:latin typeface="Arial" charset="0"/>
-            </a:endParaRPr>
-          </a:p>
-        </p:txBody>
-      </p:sp>
-      <p:sp>
-        <p:nvSpPr>
-          <p:cNvPr id="90" name="CustomShape 2"/>
-          <p:cNvSpPr/>
-          <p:nvPr/>
-        </p:nvSpPr>
-        <p:spPr>
-          <a:xfrm>
-            <a:off x="457200" y="274680"/>
-            <a:ext cx="8226360" cy="1139760"/>
-          </a:xfrm>
-          <a:prstGeom prst="rect">
-            <a:avLst/>
-          </a:prstGeom>
-          <a:noFill/>
-          <a:ln>
-            <a:noFill/>
-          </a:ln>
-        </p:spPr>
-        <p:style>
-          <a:lnRef idx="0">
-            <a:srgbClr val="FFFFFF"/>
-          </a:lnRef>
-          <a:fillRef idx="0">
-            <a:srgbClr val="FFFFFF"/>
-          </a:fillRef>
-          <a:effectRef idx="0">
-            <a:srgbClr val="FFFFFF"/>
-          </a:effectRef>
-          <a:fontRef idx="minor"/>
-        </p:style>
-        <p:txBody>
-          <a:bodyPr lIns="90000" tIns="45000" rIns="90000" bIns="45000" anchor="ctr"/>
-          <a:p>
-            <a:pPr algn="ctr">
-              <a:lnSpc>
-                <a:spcPct val="100000"/>
-              </a:lnSpc>
-            </a:pPr>
-            <a:r>
-              <a:rPr lang="pt-BR" sz="3200" b="0" strike="noStrike" spc="-1">
-                <a:solidFill>
-                  <a:srgbClr val="000000"/>
-                </a:solidFill>
-                <a:uFill>
-                  <a:solidFill>
-                    <a:srgbClr val="FFFFFF"/>
-                  </a:solidFill>
-                </a:uFill>
-                <a:latin typeface="Calibri"/>
-                <a:ea typeface="DejaVu Sans"/>
-              </a:rPr>
-              <a:t>Métricas - Issues registradas na iteração  </a:t>
+              <a:t>Métricas - Jenkins  </a:t>
             </a:r>
             <a:endParaRPr lang="pt-BR" sz="1800" b="0" strike="noStrike" spc="-1">
               <a:solidFill>
@@ -6982,7 +6175,7 @@
       </p:grpSpPr>
       <p:sp>
         <p:nvSpPr>
-          <p:cNvPr id="91" name="CustomShape 1"/>
+          <p:cNvPr id="95" name="CustomShape 1"/>
           <p:cNvSpPr/>
           <p:nvPr/>
         </p:nvSpPr>
@@ -7032,47 +6225,83 @@
                 <a:latin typeface="Calibri"/>
                 <a:ea typeface="DejaVu Sans"/>
               </a:rPr>
-              <a:t>Métricas - Jenkins Tendência de Testes e histôrico de builds </a:t>
+              <a:t>Métricas – Histórico de builds </a:t>
             </a:r>
-            <a:endParaRPr lang="pt-BR" sz="1800" b="0" strike="noStrike" spc="-1">
-              <a:solidFill>
-                <a:srgbClr val="000000"/>
-              </a:solidFill>
-              <a:uFill>
-                <a:solidFill>
-                  <a:srgbClr val="FFFFFF"/>
-                </a:solidFill>
-              </a:uFill>
-              <a:latin typeface="Arial" charset="0"/>
-            </a:endParaRPr>
-          </a:p>
-        </p:txBody>
-      </p:sp>
-      <p:pic>
-        <p:nvPicPr>
-          <p:cNvPr id="92" name="Picture 91"/>
-          <p:cNvPicPr/>
+            <a:r>
+              <a:rPr lang="pt-BR" sz="3200" b="0" u="sng" strike="noStrike" spc="-1">
+                <a:solidFill>
+                  <a:srgbClr val="0000FF"/>
+                </a:solidFill>
+                <a:uFill>
+                  <a:solidFill>
+                    <a:srgbClr val="FFFFFF"/>
+                  </a:solidFill>
+                </a:uFill>
+                <a:latin typeface="Calibri"/>
+                <a:ea typeface="DejaVu Sans"/>
+                <a:hlinkClick r:id="rId1"/>
+              </a:rPr>
+              <a:t>Travis-CI</a:t>
+            </a:r>
+            <a:r>
+              <a:rPr lang="pt-BR" sz="3200" b="0" strike="noStrike" spc="-1">
+                <a:solidFill>
+                  <a:srgbClr val="000000"/>
+                </a:solidFill>
+                <a:uFill>
+                  <a:solidFill>
+                    <a:srgbClr val="FFFFFF"/>
+                  </a:solidFill>
+                </a:uFill>
+                <a:latin typeface="Calibri"/>
+                <a:ea typeface="DejaVu Sans"/>
+              </a:rPr>
+              <a:t> </a:t>
+            </a:r>
+            <a:endParaRPr lang="pt-BR" sz="1800" b="0" strike="noStrike" spc="-1">
+              <a:solidFill>
+                <a:srgbClr val="000000"/>
+              </a:solidFill>
+              <a:uFill>
+                <a:solidFill>
+                  <a:srgbClr val="FFFFFF"/>
+                </a:solidFill>
+              </a:uFill>
+              <a:latin typeface="Arial" charset="0"/>
+            </a:endParaRPr>
+          </a:p>
+        </p:txBody>
+      </p:sp>
+      <p:sp>
+        <p:nvSpPr>
+          <p:cNvPr id="3" name="Text Box 2"/>
+          <p:cNvSpPr txBox="1"/>
           <p:nvPr/>
-        </p:nvPicPr>
-        <p:blipFill>
-          <a:blip r:embed="rId1"/>
-          <a:stretch>
-            <a:fillRect/>
-          </a:stretch>
-        </p:blipFill>
-        <p:spPr>
-          <a:xfrm>
-            <a:off x="25200" y="1609200"/>
-            <a:ext cx="9143280" cy="5140440"/>
-          </a:xfrm>
-          <a:prstGeom prst="rect">
-            <a:avLst/>
-          </a:prstGeom>
-          <a:ln>
-            <a:noFill/>
-          </a:ln>
-        </p:spPr>
-      </p:pic>
+        </p:nvSpPr>
+        <p:spPr>
+          <a:xfrm>
+            <a:off x="0" y="3429000"/>
+            <a:ext cx="9148445" cy="457200"/>
+          </a:xfrm>
+          <a:prstGeom prst="rect">
+            <a:avLst/>
+          </a:prstGeom>
+          <a:noFill/>
+        </p:spPr>
+        <p:txBody>
+          <a:bodyPr wrap="square" rtlCol="0" anchor="t">
+            <a:spAutoFit/>
+          </a:bodyPr>
+          <a:p>
+            <a:pPr algn="ctr"/>
+            <a:r>
+              <a:rPr lang="en-US" sz="2400"/>
+              <a:t>https://travis-ci.org/AjudeMais/AjudeMais/builds</a:t>
+            </a:r>
+            <a:endParaRPr lang="en-US" sz="2400"/>
+          </a:p>
+        </p:txBody>
+      </p:sp>
     </p:spTree>
   </p:cSld>
   <p:clrMapOvr>

--- a/Projeto-AjudeMais/002-Acompanhamento/Iteracao-03/ADR - apresentacao de resultados-IT03.pptx
+++ b/Projeto-AjudeMais/002-Acompanhamento/Iteracao-03/ADR - apresentacao de resultados-IT03.pptx
@@ -5852,7 +5852,7 @@
               <a:buChar char="•"/>
             </a:pPr>
             <a:r>
-              <a:rPr lang="x-none" altLang="pt-BR" sz="1800" b="0" strike="noStrike" spc="-1">
+              <a:rPr lang="x-none" altLang="pt-BR" sz="2800" b="0" strike="noStrike" spc="-1">
                 <a:solidFill>
                   <a:srgbClr val="000000"/>
                 </a:solidFill>
@@ -5864,9 +5864,24 @@
                 <a:latin typeface="Calibri"/>
                 <a:ea typeface="DejaVu Sans"/>
               </a:rPr>
-              <a:t>OK!</a:t>
+              <a:t>Deixar descrição não obrigatória; </a:t>
             </a:r>
-            <a:endParaRPr lang="x-none" altLang="pt-BR" sz="1800" b="0" strike="noStrike" spc="-1">
+            <a:r>
+              <a:rPr lang="x-none" altLang="pt-BR" sz="2800" b="1" strike="noStrike" spc="-1">
+                <a:solidFill>
+                  <a:srgbClr val="000000"/>
+                </a:solidFill>
+                <a:uFill>
+                  <a:solidFill>
+                    <a:srgbClr val="FFFFFF"/>
+                  </a:solidFill>
+                </a:uFill>
+                <a:latin typeface="Calibri"/>
+                <a:ea typeface="DejaVu Sans"/>
+              </a:rPr>
+              <a:t>(FEITO)</a:t>
+            </a:r>
+            <a:endParaRPr lang="x-none" altLang="pt-BR" sz="2800" b="1" strike="noStrike" spc="-1">
               <a:solidFill>
                 <a:srgbClr val="000000"/>
               </a:solidFill>
@@ -5880,11 +5895,102 @@
             </a:endParaRPr>
           </a:p>
           <a:p>
-            <a:pPr>
+            <a:pPr marL="288925" indent="-285750">
               <a:lnSpc>
                 <a:spcPct val="100000"/>
               </a:lnSpc>
+              <a:buClr>
+                <a:srgbClr val="000000"/>
+              </a:buClr>
+              <a:buSzPct val="45000"/>
+              <a:buFont typeface="Arial" charset="0"/>
+              <a:buChar char="•"/>
             </a:pPr>
+            <a:r>
+              <a:rPr lang="x-none" altLang="pt-BR" sz="2800" b="0" strike="noStrike" spc="-1">
+                <a:solidFill>
+                  <a:srgbClr val="000000"/>
+                </a:solidFill>
+                <a:uFill>
+                  <a:solidFill>
+                    <a:srgbClr val="FFFFFF"/>
+                  </a:solidFill>
+                </a:uFill>
+                <a:latin typeface="Calibri"/>
+                <a:ea typeface="DejaVu Sans"/>
+              </a:rPr>
+              <a:t>Remover barra de imagens; </a:t>
+            </a:r>
+            <a:r>
+              <a:rPr lang="x-none" altLang="pt-BR" sz="2800" b="1" strike="noStrike" spc="-1">
+                <a:solidFill>
+                  <a:srgbClr val="000000"/>
+                </a:solidFill>
+                <a:uFill>
+                  <a:solidFill>
+                    <a:srgbClr val="FFFFFF"/>
+                  </a:solidFill>
+                </a:uFill>
+                <a:latin typeface="Calibri"/>
+                <a:ea typeface="DejaVu Sans"/>
+              </a:rPr>
+              <a:t>(FEITO)</a:t>
+            </a:r>
+            <a:endParaRPr lang="x-none" altLang="pt-BR" sz="2800" b="1" strike="noStrike" spc="-1">
+              <a:solidFill>
+                <a:srgbClr val="000000"/>
+              </a:solidFill>
+              <a:uFill>
+                <a:solidFill>
+                  <a:srgbClr val="FFFFFF"/>
+                </a:solidFill>
+              </a:uFill>
+              <a:latin typeface="Calibri"/>
+              <a:ea typeface="DejaVu Sans"/>
+            </a:endParaRPr>
+          </a:p>
+          <a:p>
+            <a:pPr marL="288925" indent="-285750">
+              <a:lnSpc>
+                <a:spcPct val="100000"/>
+              </a:lnSpc>
+              <a:buClr>
+                <a:srgbClr val="000000"/>
+              </a:buClr>
+              <a:buSzPct val="45000"/>
+              <a:buFont typeface="Arial" charset="0"/>
+              <a:buChar char="•"/>
+            </a:pPr>
+            <a:r>
+              <a:rPr lang="x-none" altLang="pt-BR" sz="2800" b="0" strike="noStrike" spc="-1">
+                <a:solidFill>
+                  <a:srgbClr val="000000"/>
+                </a:solidFill>
+                <a:uFill>
+                  <a:solidFill>
+                    <a:srgbClr val="FFFFFF"/>
+                  </a:solidFill>
+                </a:uFill>
+                <a:latin typeface="Calibri"/>
+                <a:ea typeface="DejaVu Sans"/>
+              </a:rPr>
+              <a:t>Ordenar itens doados por data de criação; </a:t>
+            </a:r>
+            <a:r>
+              <a:rPr lang="x-none" altLang="pt-BR" sz="2800" b="1" strike="noStrike" spc="-1">
+                <a:solidFill>
+                  <a:srgbClr val="000000"/>
+                </a:solidFill>
+                <a:uFill>
+                  <a:solidFill>
+                    <a:srgbClr val="FFFFFF"/>
+                  </a:solidFill>
+                </a:uFill>
+                <a:latin typeface="Calibri"/>
+                <a:ea typeface="DejaVu Sans"/>
+              </a:rPr>
+              <a:t>(FEITO)</a:t>
+            </a:r>
             <a:endParaRPr lang="pt-BR" sz="1800" b="0" strike="noStrike" spc="-1">
               <a:solidFill>
                 <a:srgbClr val="000000"/>
